--- a/manuscript/scheme_multibridge.pptx
+++ b/manuscript/scheme_multibridge.pptx
@@ -258,7 +258,7 @@
           <a:p>
             <a:fld id="{B3A21784-E1B4-8C4A-A52C-8A1F4FEBB89F}" type="datetimeFigureOut">
               <a:rPr lang="en-US" smtClean="0"/>
-              <a:t>8/17/22</a:t>
+              <a:t>10/24/22</a:t>
             </a:fld>
             <a:endParaRPr lang="en-US"/>
           </a:p>
@@ -428,7 +428,7 @@
           <a:p>
             <a:fld id="{B3A21784-E1B4-8C4A-A52C-8A1F4FEBB89F}" type="datetimeFigureOut">
               <a:rPr lang="en-US" smtClean="0"/>
-              <a:t>8/17/22</a:t>
+              <a:t>10/24/22</a:t>
             </a:fld>
             <a:endParaRPr lang="en-US"/>
           </a:p>
@@ -608,7 +608,7 @@
           <a:p>
             <a:fld id="{B3A21784-E1B4-8C4A-A52C-8A1F4FEBB89F}" type="datetimeFigureOut">
               <a:rPr lang="en-US" smtClean="0"/>
-              <a:t>8/17/22</a:t>
+              <a:t>10/24/22</a:t>
             </a:fld>
             <a:endParaRPr lang="en-US"/>
           </a:p>
@@ -778,7 +778,7 @@
           <a:p>
             <a:fld id="{B3A21784-E1B4-8C4A-A52C-8A1F4FEBB89F}" type="datetimeFigureOut">
               <a:rPr lang="en-US" smtClean="0"/>
-              <a:t>8/17/22</a:t>
+              <a:t>10/24/22</a:t>
             </a:fld>
             <a:endParaRPr lang="en-US"/>
           </a:p>
@@ -1024,7 +1024,7 @@
           <a:p>
             <a:fld id="{B3A21784-E1B4-8C4A-A52C-8A1F4FEBB89F}" type="datetimeFigureOut">
               <a:rPr lang="en-US" smtClean="0"/>
-              <a:t>8/17/22</a:t>
+              <a:t>10/24/22</a:t>
             </a:fld>
             <a:endParaRPr lang="en-US"/>
           </a:p>
@@ -1256,7 +1256,7 @@
           <a:p>
             <a:fld id="{B3A21784-E1B4-8C4A-A52C-8A1F4FEBB89F}" type="datetimeFigureOut">
               <a:rPr lang="en-US" smtClean="0"/>
-              <a:t>8/17/22</a:t>
+              <a:t>10/24/22</a:t>
             </a:fld>
             <a:endParaRPr lang="en-US"/>
           </a:p>
@@ -1623,7 +1623,7 @@
           <a:p>
             <a:fld id="{B3A21784-E1B4-8C4A-A52C-8A1F4FEBB89F}" type="datetimeFigureOut">
               <a:rPr lang="en-US" smtClean="0"/>
-              <a:t>8/17/22</a:t>
+              <a:t>10/24/22</a:t>
             </a:fld>
             <a:endParaRPr lang="en-US"/>
           </a:p>
@@ -1741,7 +1741,7 @@
           <a:p>
             <a:fld id="{B3A21784-E1B4-8C4A-A52C-8A1F4FEBB89F}" type="datetimeFigureOut">
               <a:rPr lang="en-US" smtClean="0"/>
-              <a:t>8/17/22</a:t>
+              <a:t>10/24/22</a:t>
             </a:fld>
             <a:endParaRPr lang="en-US"/>
           </a:p>
@@ -1836,7 +1836,7 @@
           <a:p>
             <a:fld id="{B3A21784-E1B4-8C4A-A52C-8A1F4FEBB89F}" type="datetimeFigureOut">
               <a:rPr lang="en-US" smtClean="0"/>
-              <a:t>8/17/22</a:t>
+              <a:t>10/24/22</a:t>
             </a:fld>
             <a:endParaRPr lang="en-US"/>
           </a:p>
@@ -2113,7 +2113,7 @@
           <a:p>
             <a:fld id="{B3A21784-E1B4-8C4A-A52C-8A1F4FEBB89F}" type="datetimeFigureOut">
               <a:rPr lang="en-US" smtClean="0"/>
-              <a:t>8/17/22</a:t>
+              <a:t>10/24/22</a:t>
             </a:fld>
             <a:endParaRPr lang="en-US"/>
           </a:p>
@@ -2370,7 +2370,7 @@
           <a:p>
             <a:fld id="{B3A21784-E1B4-8C4A-A52C-8A1F4FEBB89F}" type="datetimeFigureOut">
               <a:rPr lang="en-US" smtClean="0"/>
-              <a:t>8/17/22</a:t>
+              <a:t>10/24/22</a:t>
             </a:fld>
             <a:endParaRPr lang="en-US"/>
           </a:p>
@@ -2583,7 +2583,7 @@
           <a:p>
             <a:fld id="{B3A21784-E1B4-8C4A-A52C-8A1F4FEBB89F}" type="datetimeFigureOut">
               <a:rPr lang="en-US" smtClean="0"/>
-              <a:t>8/17/22</a:t>
+              <a:t>10/24/22</a:t>
             </a:fld>
             <a:endParaRPr lang="en-US"/>
           </a:p>
@@ -4844,7 +4844,7 @@
         </p:nvSpPr>
         <p:spPr>
           <a:xfrm>
-            <a:off x="1451951" y="5319464"/>
+            <a:off x="742640" y="5309978"/>
             <a:ext cx="1178528" cy="292388"/>
           </a:xfrm>
           <a:prstGeom prst="rect">
@@ -6067,6 +6067,60 @@
           </a:p>
         </p:txBody>
       </p:sp>
+      <p:sp>
+        <p:nvSpPr>
+          <p:cNvPr id="2" name="TextBox 1">
+            <a:extLst>
+              <a:ext uri="{FF2B5EF4-FFF2-40B4-BE49-F238E27FC236}">
+                <a16:creationId xmlns:a16="http://schemas.microsoft.com/office/drawing/2014/main" id="{3E597DAD-474E-9EF8-2A8A-5FECFA04D091}"/>
+              </a:ext>
+            </a:extLst>
+          </p:cNvPr>
+          <p:cNvSpPr txBox="1"/>
+          <p:nvPr/>
+        </p:nvSpPr>
+        <p:spPr>
+          <a:xfrm>
+            <a:off x="2076925" y="5309978"/>
+            <a:ext cx="780983" cy="292388"/>
+          </a:xfrm>
+          <a:prstGeom prst="rect">
+            <a:avLst/>
+          </a:prstGeom>
+          <a:noFill/>
+          <a:ln w="19050">
+            <a:solidFill>
+              <a:srgbClr val="FF7E79"/>
+            </a:solidFill>
+          </a:ln>
+        </p:spPr>
+        <p:txBody>
+          <a:bodyPr wrap="none" rtlCol="0">
+            <a:spAutoFit/>
+          </a:bodyPr>
+          <a:lstStyle/>
+          <a:p>
+            <a:r>
+              <a:rPr lang="en-US" sz="1300" dirty="0">
+                <a:latin typeface="Courier New" panose="02070309020205020404" pitchFamily="49" charset="0"/>
+                <a:cs typeface="Courier New" panose="02070309020205020404" pitchFamily="49" charset="0"/>
+              </a:rPr>
+              <a:t>$</a:t>
+            </a:r>
+            <a:r>
+              <a:rPr lang="en-US" sz="1300" dirty="0" err="1">
+                <a:latin typeface="Courier New" panose="02070309020205020404" pitchFamily="49" charset="0"/>
+                <a:cs typeface="Courier New" panose="02070309020205020404" pitchFamily="49" charset="0"/>
+              </a:rPr>
+              <a:t>logml</a:t>
+            </a:r>
+            <a:endParaRPr lang="en-US" sz="1300" dirty="0">
+              <a:latin typeface="Courier New" panose="02070309020205020404" pitchFamily="49" charset="0"/>
+              <a:cs typeface="Courier New" panose="02070309020205020404" pitchFamily="49" charset="0"/>
+            </a:endParaRPr>
+          </a:p>
+        </p:txBody>
+      </p:sp>
     </p:spTree>
     <p:extLst>
       <p:ext uri="{BB962C8B-B14F-4D97-AF65-F5344CB8AC3E}">
@@ -12340,8 +12394,8 @@
           </a:p>
         </p:txBody>
       </p:sp>
-      <mc:AlternateContent xmlns:mc="http://schemas.openxmlformats.org/markup-compatibility/2006">
-        <mc:Choice xmlns:a14="http://schemas.microsoft.com/office/drawing/2010/main" Requires="a14">
+      <mc:AlternateContent xmlns:mc="http://schemas.openxmlformats.org/markup-compatibility/2006" xmlns:a14="http://schemas.microsoft.com/office/drawing/2010/main">
+        <mc:Choice Requires="a14">
           <p:sp>
             <p:nvSpPr>
               <p:cNvPr id="217" name="TextBox 216">
@@ -12380,7 +12434,7 @@
                       <m:sSub>
                         <m:sSubPr>
                           <m:ctrlPr>
-                            <a:rPr lang="en-US" sz="1400" smtClean="0">
+                            <a:rPr lang="en-US" sz="1400" i="1" smtClean="0">
                               <a:solidFill>
                                 <a:schemeClr val="tx1">
                                   <a:lumMod val="75000"/>
@@ -12453,7 +12507,7 @@
                       <m:sSub>
                         <m:sSubPr>
                           <m:ctrlPr>
-                            <a:rPr lang="en-US" sz="1400" smtClean="0">
+                            <a:rPr lang="en-US" sz="1400" i="1" smtClean="0">
                               <a:solidFill>
                                 <a:schemeClr val="tx1">
                                   <a:lumMod val="75000"/>
@@ -12511,7 +12565,7 @@
                       <m:sSub>
                         <m:sSubPr>
                           <m:ctrlPr>
-                            <a:rPr lang="en-US" sz="1400" smtClean="0">
+                            <a:rPr lang="en-US" sz="1400" i="1" smtClean="0">
                               <a:solidFill>
                                 <a:schemeClr val="tx1">
                                   <a:lumMod val="75000"/>
@@ -12569,7 +12623,7 @@
                       <m:sSub>
                         <m:sSubPr>
                           <m:ctrlPr>
-                            <a:rPr lang="en-US" sz="1400" smtClean="0">
+                            <a:rPr lang="en-US" sz="1400" i="1" smtClean="0">
                               <a:solidFill>
                                 <a:schemeClr val="tx1">
                                   <a:lumMod val="75000"/>
@@ -12629,7 +12683,7 @@
             </p:txBody>
           </p:sp>
         </mc:Choice>
-        <mc:Fallback>
+        <mc:Fallback xmlns="">
           <p:sp>
             <p:nvSpPr>
               <p:cNvPr id="217" name="TextBox 216">
@@ -21615,8 +21669,8 @@
           </a:p>
         </p:txBody>
       </p:sp>
-      <mc:AlternateContent xmlns:mc="http://schemas.openxmlformats.org/markup-compatibility/2006">
-        <mc:Choice xmlns:a14="http://schemas.microsoft.com/office/drawing/2010/main" Requires="a14">
+      <mc:AlternateContent xmlns:mc="http://schemas.openxmlformats.org/markup-compatibility/2006" xmlns:a14="http://schemas.microsoft.com/office/drawing/2010/main">
+        <mc:Choice Requires="a14">
           <p:sp>
             <p:nvSpPr>
               <p:cNvPr id="65" name="TextBox 64">
@@ -22118,7 +22172,7 @@
             </p:txBody>
           </p:sp>
         </mc:Choice>
-        <mc:Fallback>
+        <mc:Fallback xmlns="">
           <p:sp>
             <p:nvSpPr>
               <p:cNvPr id="65" name="TextBox 64">
@@ -22335,8 +22389,8 @@
           </a:p>
         </p:txBody>
       </p:sp>
-      <mc:AlternateContent xmlns:mc="http://schemas.openxmlformats.org/markup-compatibility/2006">
-        <mc:Choice xmlns:a14="http://schemas.microsoft.com/office/drawing/2010/main" Requires="a14">
+      <mc:AlternateContent xmlns:mc="http://schemas.openxmlformats.org/markup-compatibility/2006" xmlns:a14="http://schemas.microsoft.com/office/drawing/2010/main">
+        <mc:Choice Requires="a14">
           <p:sp>
             <p:nvSpPr>
               <p:cNvPr id="6" name="TextBox 5">
@@ -22610,7 +22664,7 @@
             </p:txBody>
           </p:sp>
         </mc:Choice>
-        <mc:Fallback>
+        <mc:Fallback xmlns="">
           <p:sp>
             <p:nvSpPr>
               <p:cNvPr id="6" name="TextBox 5">
@@ -22885,8 +22939,8 @@
           </a:p>
         </p:txBody>
       </p:sp>
-      <mc:AlternateContent xmlns:mc="http://schemas.openxmlformats.org/markup-compatibility/2006">
-        <mc:Choice xmlns:a14="http://schemas.microsoft.com/office/drawing/2010/main" Requires="a14">
+      <mc:AlternateContent xmlns:mc="http://schemas.openxmlformats.org/markup-compatibility/2006" xmlns:a14="http://schemas.microsoft.com/office/drawing/2010/main">
+        <mc:Choice Requires="a14">
           <p:sp>
             <p:nvSpPr>
               <p:cNvPr id="33" name="TextBox 32">
@@ -22995,7 +23049,7 @@
             </p:txBody>
           </p:sp>
         </mc:Choice>
-        <mc:Fallback>
+        <mc:Fallback xmlns="">
           <p:sp>
             <p:nvSpPr>
               <p:cNvPr id="33" name="TextBox 32">
@@ -23392,8 +23446,8 @@
           </a:p>
         </p:txBody>
       </p:sp>
-      <mc:AlternateContent xmlns:mc="http://schemas.openxmlformats.org/markup-compatibility/2006">
-        <mc:Choice xmlns:a14="http://schemas.microsoft.com/office/drawing/2010/main" Requires="a14">
+      <mc:AlternateContent xmlns:mc="http://schemas.openxmlformats.org/markup-compatibility/2006" xmlns:a14="http://schemas.microsoft.com/office/drawing/2010/main">
+        <mc:Choice Requires="a14">
           <p:sp>
             <p:nvSpPr>
               <p:cNvPr id="55" name="TextBox 54">
@@ -23565,7 +23619,7 @@
             </p:txBody>
           </p:sp>
         </mc:Choice>
-        <mc:Fallback>
+        <mc:Fallback xmlns="">
           <p:sp>
             <p:nvSpPr>
               <p:cNvPr id="55" name="TextBox 54">
@@ -23659,8 +23713,8 @@
           </a:fontRef>
         </p:style>
       </p:cxnSp>
-      <mc:AlternateContent xmlns:mc="http://schemas.openxmlformats.org/markup-compatibility/2006">
-        <mc:Choice xmlns:a14="http://schemas.microsoft.com/office/drawing/2010/main" Requires="a14">
+      <mc:AlternateContent xmlns:mc="http://schemas.openxmlformats.org/markup-compatibility/2006" xmlns:a14="http://schemas.microsoft.com/office/drawing/2010/main">
+        <mc:Choice Requires="a14">
           <p:sp>
             <p:nvSpPr>
               <p:cNvPr id="58" name="TextBox 57">
@@ -23778,7 +23832,7 @@
             </p:txBody>
           </p:sp>
         </mc:Choice>
-        <mc:Fallback>
+        <mc:Fallback xmlns="">
           <p:sp>
             <p:nvSpPr>
               <p:cNvPr id="58" name="TextBox 57">
@@ -23978,8 +24032,8 @@
           </a:p>
         </p:txBody>
       </p:sp>
-      <mc:AlternateContent xmlns:mc="http://schemas.openxmlformats.org/markup-compatibility/2006">
-        <mc:Choice xmlns:a14="http://schemas.microsoft.com/office/drawing/2010/main" Requires="a14">
+      <mc:AlternateContent xmlns:mc="http://schemas.openxmlformats.org/markup-compatibility/2006" xmlns:a14="http://schemas.microsoft.com/office/drawing/2010/main">
+        <mc:Choice Requires="a14">
           <p:sp>
             <p:nvSpPr>
               <p:cNvPr id="112" name="TextBox 111">
@@ -24438,7 +24492,7 @@
             </p:txBody>
           </p:sp>
         </mc:Choice>
-        <mc:Fallback>
+        <mc:Fallback xmlns="">
           <p:sp>
             <p:nvSpPr>
               <p:cNvPr id="112" name="TextBox 111">
@@ -24488,8 +24542,8 @@
           </p:sp>
         </mc:Fallback>
       </mc:AlternateContent>
-      <mc:AlternateContent xmlns:mc="http://schemas.openxmlformats.org/markup-compatibility/2006">
-        <mc:Choice xmlns:a14="http://schemas.microsoft.com/office/drawing/2010/main" Requires="a14">
+      <mc:AlternateContent xmlns:mc="http://schemas.openxmlformats.org/markup-compatibility/2006" xmlns:a14="http://schemas.microsoft.com/office/drawing/2010/main">
+        <mc:Choice Requires="a14">
           <p:sp>
             <p:nvSpPr>
               <p:cNvPr id="124" name="TextBox 123">
@@ -24587,7 +24641,7 @@
             </p:txBody>
           </p:sp>
         </mc:Choice>
-        <mc:Fallback>
+        <mc:Fallback xmlns="">
           <p:sp>
             <p:nvSpPr>
               <p:cNvPr id="124" name="TextBox 123">
@@ -24632,8 +24686,8 @@
           </p:sp>
         </mc:Fallback>
       </mc:AlternateContent>
-      <mc:AlternateContent xmlns:mc="http://schemas.openxmlformats.org/markup-compatibility/2006">
-        <mc:Choice xmlns:a14="http://schemas.microsoft.com/office/drawing/2010/main" Requires="a14">
+      <mc:AlternateContent xmlns:mc="http://schemas.openxmlformats.org/markup-compatibility/2006" xmlns:a14="http://schemas.microsoft.com/office/drawing/2010/main">
+        <mc:Choice Requires="a14">
           <p:sp>
             <p:nvSpPr>
               <p:cNvPr id="125" name="TextBox 124">
@@ -24731,7 +24785,7 @@
             </p:txBody>
           </p:sp>
         </mc:Choice>
-        <mc:Fallback>
+        <mc:Fallback xmlns="">
           <p:sp>
             <p:nvSpPr>
               <p:cNvPr id="125" name="TextBox 124">
@@ -24776,8 +24830,8 @@
           </p:sp>
         </mc:Fallback>
       </mc:AlternateContent>
-      <mc:AlternateContent xmlns:mc="http://schemas.openxmlformats.org/markup-compatibility/2006">
-        <mc:Choice xmlns:a14="http://schemas.microsoft.com/office/drawing/2010/main" Requires="a14">
+      <mc:AlternateContent xmlns:mc="http://schemas.openxmlformats.org/markup-compatibility/2006" xmlns:a14="http://schemas.microsoft.com/office/drawing/2010/main">
+        <mc:Choice Requires="a14">
           <p:sp>
             <p:nvSpPr>
               <p:cNvPr id="126" name="TextBox 125">
@@ -24875,7 +24929,7 @@
             </p:txBody>
           </p:sp>
         </mc:Choice>
-        <mc:Fallback>
+        <mc:Fallback xmlns="">
           <p:sp>
             <p:nvSpPr>
               <p:cNvPr id="126" name="TextBox 125">
@@ -25034,8 +25088,8 @@
           </a:p>
         </p:txBody>
       </p:sp>
-      <mc:AlternateContent xmlns:mc="http://schemas.openxmlformats.org/markup-compatibility/2006">
-        <mc:Choice xmlns:a14="http://schemas.microsoft.com/office/drawing/2010/main" Requires="a14">
+      <mc:AlternateContent xmlns:mc="http://schemas.openxmlformats.org/markup-compatibility/2006" xmlns:a14="http://schemas.microsoft.com/office/drawing/2010/main">
+        <mc:Choice Requires="a14">
           <p:sp>
             <p:nvSpPr>
               <p:cNvPr id="160" name="TextBox 159">
@@ -25133,7 +25187,7 @@
             </p:txBody>
           </p:sp>
         </mc:Choice>
-        <mc:Fallback>
+        <mc:Fallback xmlns="">
           <p:sp>
             <p:nvSpPr>
               <p:cNvPr id="160" name="TextBox 159">
@@ -25178,8 +25232,8 @@
           </p:sp>
         </mc:Fallback>
       </mc:AlternateContent>
-      <mc:AlternateContent xmlns:mc="http://schemas.openxmlformats.org/markup-compatibility/2006">
-        <mc:Choice xmlns:a14="http://schemas.microsoft.com/office/drawing/2010/main" Requires="a14">
+      <mc:AlternateContent xmlns:mc="http://schemas.openxmlformats.org/markup-compatibility/2006" xmlns:a14="http://schemas.microsoft.com/office/drawing/2010/main">
+        <mc:Choice Requires="a14">
           <p:sp>
             <p:nvSpPr>
               <p:cNvPr id="161" name="TextBox 160">
@@ -25277,7 +25331,7 @@
             </p:txBody>
           </p:sp>
         </mc:Choice>
-        <mc:Fallback>
+        <mc:Fallback xmlns="">
           <p:sp>
             <p:nvSpPr>
               <p:cNvPr id="161" name="TextBox 160">
@@ -25379,8 +25433,8 @@
           </a:p>
         </p:txBody>
       </p:sp>
-      <mc:AlternateContent xmlns:mc="http://schemas.openxmlformats.org/markup-compatibility/2006">
-        <mc:Choice xmlns:a14="http://schemas.microsoft.com/office/drawing/2010/main" Requires="a14">
+      <mc:AlternateContent xmlns:mc="http://schemas.openxmlformats.org/markup-compatibility/2006" xmlns:a14="http://schemas.microsoft.com/office/drawing/2010/main">
+        <mc:Choice Requires="a14">
           <p:sp>
             <p:nvSpPr>
               <p:cNvPr id="166" name="TextBox 165">
@@ -25478,7 +25532,7 @@
             </p:txBody>
           </p:sp>
         </mc:Choice>
-        <mc:Fallback>
+        <mc:Fallback xmlns="">
           <p:sp>
             <p:nvSpPr>
               <p:cNvPr id="166" name="TextBox 165">
@@ -26078,8 +26132,8 @@
           </a:p>
         </p:txBody>
       </p:sp>
-      <mc:AlternateContent xmlns:mc="http://schemas.openxmlformats.org/markup-compatibility/2006">
-        <mc:Choice xmlns:a14="http://schemas.microsoft.com/office/drawing/2010/main" Requires="a14">
+      <mc:AlternateContent xmlns:mc="http://schemas.openxmlformats.org/markup-compatibility/2006" xmlns:a14="http://schemas.microsoft.com/office/drawing/2010/main">
+        <mc:Choice Requires="a14">
           <p:sp>
             <p:nvSpPr>
               <p:cNvPr id="59" name="TextBox 58">
@@ -26213,7 +26267,7 @@
             </p:txBody>
           </p:sp>
         </mc:Choice>
-        <mc:Fallback>
+        <mc:Fallback xmlns="">
           <p:sp>
             <p:nvSpPr>
               <p:cNvPr id="59" name="TextBox 58">
@@ -26261,8 +26315,8 @@
           </p:sp>
         </mc:Fallback>
       </mc:AlternateContent>
-      <mc:AlternateContent xmlns:mc="http://schemas.openxmlformats.org/markup-compatibility/2006">
-        <mc:Choice xmlns:a14="http://schemas.microsoft.com/office/drawing/2010/main" Requires="a14">
+      <mc:AlternateContent xmlns:mc="http://schemas.openxmlformats.org/markup-compatibility/2006" xmlns:a14="http://schemas.microsoft.com/office/drawing/2010/main">
+        <mc:Choice Requires="a14">
           <p:sp>
             <p:nvSpPr>
               <p:cNvPr id="60" name="TextBox 59">
@@ -26376,7 +26430,7 @@
             </p:txBody>
           </p:sp>
         </mc:Choice>
-        <mc:Fallback>
+        <mc:Fallback xmlns="">
           <p:sp>
             <p:nvSpPr>
               <p:cNvPr id="60" name="TextBox 59">
